--- a/instructions/Samsa2.pptx
+++ b/instructions/Samsa2.pptx
@@ -6,11 +6,10 @@
   </p:sldMasterIdLst>
   <p:sldIdLst>
     <p:sldId id="257" r:id="rId2"/>
-    <p:sldId id="264" r:id="rId3"/>
-    <p:sldId id="742" r:id="rId4"/>
-    <p:sldId id="743" r:id="rId5"/>
-    <p:sldId id="274" r:id="rId6"/>
-    <p:sldId id="275" r:id="rId7"/>
+    <p:sldId id="742" r:id="rId3"/>
+    <p:sldId id="743" r:id="rId4"/>
+    <p:sldId id="274" r:id="rId5"/>
+    <p:sldId id="275" r:id="rId6"/>
   </p:sldIdLst>
   <p:sldSz cx="9144000" cy="6858000" type="screen4x3"/>
   <p:notesSz cx="6858000" cy="9144000"/>
@@ -248,7 +247,7 @@
           <a:p>
             <a:fld id="{E0DA7CAC-0F81-DB40-A41A-39C11BC909FB}" type="datetimeFigureOut">
               <a:rPr lang="en-CH" smtClean="0"/>
-              <a:t>23.03.23</a:t>
+              <a:t>25.03.23</a:t>
             </a:fld>
             <a:endParaRPr lang="en-CH"/>
           </a:p>
@@ -446,7 +445,7 @@
           <a:p>
             <a:fld id="{E0DA7CAC-0F81-DB40-A41A-39C11BC909FB}" type="datetimeFigureOut">
               <a:rPr lang="en-CH" smtClean="0"/>
-              <a:t>23.03.23</a:t>
+              <a:t>25.03.23</a:t>
             </a:fld>
             <a:endParaRPr lang="en-CH"/>
           </a:p>
@@ -626,7 +625,7 @@
           <a:p>
             <a:fld id="{E0DA7CAC-0F81-DB40-A41A-39C11BC909FB}" type="datetimeFigureOut">
               <a:rPr lang="en-CH" smtClean="0"/>
-              <a:t>23.03.23</a:t>
+              <a:t>25.03.23</a:t>
             </a:fld>
             <a:endParaRPr lang="en-CH"/>
           </a:p>
@@ -796,7 +795,7 @@
           <a:p>
             <a:fld id="{E0DA7CAC-0F81-DB40-A41A-39C11BC909FB}" type="datetimeFigureOut">
               <a:rPr lang="en-CH" smtClean="0"/>
-              <a:t>23.03.23</a:t>
+              <a:t>25.03.23</a:t>
             </a:fld>
             <a:endParaRPr lang="en-CH"/>
           </a:p>
@@ -1068,7 +1067,7 @@
           <a:p>
             <a:fld id="{E0DA7CAC-0F81-DB40-A41A-39C11BC909FB}" type="datetimeFigureOut">
               <a:rPr lang="en-CH" smtClean="0"/>
-              <a:t>23.03.23</a:t>
+              <a:t>25.03.23</a:t>
             </a:fld>
             <a:endParaRPr lang="en-CH"/>
           </a:p>
@@ -1300,7 +1299,7 @@
           <a:p>
             <a:fld id="{E0DA7CAC-0F81-DB40-A41A-39C11BC909FB}" type="datetimeFigureOut">
               <a:rPr lang="en-CH" smtClean="0"/>
-              <a:t>23.03.23</a:t>
+              <a:t>25.03.23</a:t>
             </a:fld>
             <a:endParaRPr lang="en-CH"/>
           </a:p>
@@ -1667,7 +1666,7 @@
           <a:p>
             <a:fld id="{E0DA7CAC-0F81-DB40-A41A-39C11BC909FB}" type="datetimeFigureOut">
               <a:rPr lang="en-CH" smtClean="0"/>
-              <a:t>23.03.23</a:t>
+              <a:t>25.03.23</a:t>
             </a:fld>
             <a:endParaRPr lang="en-CH"/>
           </a:p>
@@ -1785,7 +1784,7 @@
           <a:p>
             <a:fld id="{E0DA7CAC-0F81-DB40-A41A-39C11BC909FB}" type="datetimeFigureOut">
               <a:rPr lang="en-CH" smtClean="0"/>
-              <a:t>23.03.23</a:t>
+              <a:t>25.03.23</a:t>
             </a:fld>
             <a:endParaRPr lang="en-CH"/>
           </a:p>
@@ -1880,7 +1879,7 @@
           <a:p>
             <a:fld id="{E0DA7CAC-0F81-DB40-A41A-39C11BC909FB}" type="datetimeFigureOut">
               <a:rPr lang="en-CH" smtClean="0"/>
-              <a:t>23.03.23</a:t>
+              <a:t>25.03.23</a:t>
             </a:fld>
             <a:endParaRPr lang="en-CH"/>
           </a:p>
@@ -2157,7 +2156,7 @@
           <a:p>
             <a:fld id="{E0DA7CAC-0F81-DB40-A41A-39C11BC909FB}" type="datetimeFigureOut">
               <a:rPr lang="en-CH" smtClean="0"/>
-              <a:t>23.03.23</a:t>
+              <a:t>25.03.23</a:t>
             </a:fld>
             <a:endParaRPr lang="en-CH"/>
           </a:p>
@@ -2414,7 +2413,7 @@
           <a:p>
             <a:fld id="{E0DA7CAC-0F81-DB40-A41A-39C11BC909FB}" type="datetimeFigureOut">
               <a:rPr lang="en-CH" smtClean="0"/>
-              <a:t>23.03.23</a:t>
+              <a:t>25.03.23</a:t>
             </a:fld>
             <a:endParaRPr lang="en-CH"/>
           </a:p>
@@ -2627,7 +2626,7 @@
           <a:p>
             <a:fld id="{E0DA7CAC-0F81-DB40-A41A-39C11BC909FB}" type="datetimeFigureOut">
               <a:rPr lang="en-CH" smtClean="0"/>
-              <a:t>23.03.23</a:t>
+              <a:t>25.03.23</a:t>
             </a:fld>
             <a:endParaRPr lang="en-CH"/>
           </a:p>
@@ -3152,10 +3151,10 @@
       </p:grpSpPr>
       <p:sp>
         <p:nvSpPr>
-          <p:cNvPr id="2" name="Title 1">
+          <p:cNvPr id="2" name="Content Placeholder 1">
             <a:extLst>
               <a:ext uri="{FF2B5EF4-FFF2-40B4-BE49-F238E27FC236}">
-                <a16:creationId xmlns:a16="http://schemas.microsoft.com/office/drawing/2014/main" id="{CF4EE9D7-91E8-AA42-5824-3EB11D6BD058}"/>
+                <a16:creationId xmlns:a16="http://schemas.microsoft.com/office/drawing/2014/main" id="{00BAE4E7-F28B-641C-73C2-67930679723F}"/>
               </a:ext>
             </a:extLst>
           </p:cNvPr>
@@ -3163,13 +3162,13 @@
             <a:spLocks noGrp="1"/>
           </p:cNvSpPr>
           <p:nvPr>
-            <p:ph type="title"/>
+            <p:ph sz="half" idx="1"/>
           </p:nvPr>
         </p:nvSpPr>
         <p:spPr>
           <a:xfrm>
-            <a:off x="1614488" y="1368031"/>
-            <a:ext cx="5915025" cy="994172"/>
+            <a:off x="534380" y="1676904"/>
+            <a:ext cx="8075240" cy="4896967"/>
           </a:xfrm>
         </p:spPr>
         <p:txBody>
@@ -3177,99 +3176,227 @@
           <a:lstStyle/>
           <a:p>
             <a:r>
-              <a:rPr lang="en-CH" dirty="0"/>
-              <a:t>SUSHI: Select a dataset</a:t>
-            </a:r>
-          </a:p>
-        </p:txBody>
-      </p:sp>
-      <p:sp>
-        <p:nvSpPr>
-          <p:cNvPr id="8" name="Content Placeholder 7">
+              <a:rPr lang="en-GB" b="0" i="0" dirty="0">
+                <a:solidFill>
+                  <a:srgbClr val="333333"/>
+                </a:solidFill>
+                <a:effectLst/>
+                <a:cs typeface="Calibri" panose="020F0502020204030204" pitchFamily="34" charset="0"/>
+              </a:rPr>
+              <a:t>multifactorial disease characterized by a shift from the </a:t>
+            </a:r>
+            <a:r>
+              <a:rPr lang="en-GB" b="0" i="1" dirty="0">
+                <a:solidFill>
+                  <a:srgbClr val="333333"/>
+                </a:solidFill>
+                <a:effectLst/>
+                <a:cs typeface="Calibri" panose="020F0502020204030204" pitchFamily="34" charset="0"/>
+              </a:rPr>
+              <a:t>Lactobacillus</a:t>
+            </a:r>
+            <a:r>
+              <a:rPr lang="en-GB" b="0" i="0" dirty="0">
+                <a:solidFill>
+                  <a:srgbClr val="333333"/>
+                </a:solidFill>
+                <a:effectLst/>
+                <a:cs typeface="Calibri" panose="020F0502020204030204" pitchFamily="34" charset="0"/>
+              </a:rPr>
+              <a:t> species-dominated microbial community toward a taxonomically diverse anaerobic community</a:t>
+            </a:r>
+          </a:p>
+          <a:p>
+            <a:r>
+              <a:rPr lang="en-GB" dirty="0">
+                <a:solidFill>
+                  <a:srgbClr val="333333"/>
+                </a:solidFill>
+                <a:cs typeface="Calibri" panose="020F0502020204030204" pitchFamily="34" charset="0"/>
+              </a:rPr>
+              <a:t>8 women diagnosed with BV</a:t>
+            </a:r>
+          </a:p>
+          <a:p>
+            <a:r>
+              <a:rPr lang="en-GB" dirty="0">
+                <a:solidFill>
+                  <a:srgbClr val="333333"/>
+                </a:solidFill>
+                <a:cs typeface="Calibri" panose="020F0502020204030204" pitchFamily="34" charset="0"/>
+              </a:rPr>
+              <a:t>4 successfully treated, 4 not</a:t>
+            </a:r>
+          </a:p>
+          <a:p>
+            <a:r>
+              <a:rPr lang="en-GB" b="0" i="0" dirty="0">
+                <a:solidFill>
+                  <a:srgbClr val="333333"/>
+                </a:solidFill>
+                <a:effectLst/>
+                <a:cs typeface="Calibri" panose="020F0502020204030204" pitchFamily="34" charset="0"/>
+              </a:rPr>
+              <a:t>Paired-end </a:t>
+            </a:r>
+            <a:r>
+              <a:rPr lang="en-GB" b="0" i="0" dirty="0" err="1">
+                <a:solidFill>
+                  <a:srgbClr val="333333"/>
+                </a:solidFill>
+                <a:effectLst/>
+                <a:cs typeface="Calibri" panose="020F0502020204030204" pitchFamily="34" charset="0"/>
+              </a:rPr>
+              <a:t>seq</a:t>
+            </a:r>
+            <a:r>
+              <a:rPr lang="en-GB" b="0" i="0" dirty="0">
+                <a:solidFill>
+                  <a:srgbClr val="333333"/>
+                </a:solidFill>
+                <a:effectLst/>
+                <a:cs typeface="Calibri" panose="020F0502020204030204" pitchFamily="34" charset="0"/>
+              </a:rPr>
+              <a:t> performed on a </a:t>
+            </a:r>
+            <a:r>
+              <a:rPr lang="en-GB" b="0" i="0" dirty="0" err="1">
+                <a:solidFill>
+                  <a:srgbClr val="333333"/>
+                </a:solidFill>
+                <a:effectLst/>
+                <a:cs typeface="Calibri" panose="020F0502020204030204" pitchFamily="34" charset="0"/>
+              </a:rPr>
+              <a:t>HiSeq</a:t>
+            </a:r>
+            <a:r>
+              <a:rPr lang="en-GB" b="0" i="0" dirty="0">
+                <a:solidFill>
+                  <a:srgbClr val="333333"/>
+                </a:solidFill>
+                <a:effectLst/>
+                <a:cs typeface="Calibri" panose="020F0502020204030204" pitchFamily="34" charset="0"/>
+              </a:rPr>
+              <a:t> 2500 Sequencer to yield 2 × 110-bp</a:t>
+            </a:r>
+          </a:p>
+          <a:p>
+            <a:endParaRPr lang="en-GB" dirty="0">
+              <a:solidFill>
+                <a:srgbClr val="333333"/>
+              </a:solidFill>
+              <a:latin typeface="Source Serif Pro" panose="020F0502020204030204" pitchFamily="34" charset="0"/>
+            </a:endParaRPr>
+          </a:p>
+        </p:txBody>
+      </p:sp>
+      <p:pic>
+        <p:nvPicPr>
+          <p:cNvPr id="6" name="Content Placeholder 5" descr="Diagram, timeline&#10;&#10;Description automatically generated">
             <a:extLst>
               <a:ext uri="{FF2B5EF4-FFF2-40B4-BE49-F238E27FC236}">
-                <a16:creationId xmlns:a16="http://schemas.microsoft.com/office/drawing/2014/main" id="{B0E2EB72-CE7A-1495-D8D8-5B4F75E61A4E}"/>
-              </a:ext>
-            </a:extLst>
-          </p:cNvPr>
-          <p:cNvSpPr>
-            <a:spLocks noGrp="1"/>
-          </p:cNvSpPr>
-          <p:nvPr>
-            <p:ph idx="1"/>
-          </p:nvPr>
-        </p:nvSpPr>
-        <p:spPr>
-          <a:xfrm>
-            <a:off x="478971" y="5165471"/>
-            <a:ext cx="8418285" cy="1278872"/>
-          </a:xfrm>
-        </p:spPr>
-        <p:txBody>
-          <a:bodyPr>
-            <a:normAutofit fontScale="70000" lnSpcReduction="20000"/>
-          </a:bodyPr>
-          <a:lstStyle/>
-          <a:p>
-            <a:r>
-              <a:rPr lang="en-CH" dirty="0"/>
-              <a:t>If you have followed the instructions correctly, you have entered a project folder (YOUR PERSONAL project folder) that looks like this – not exactly like this but it has datasets listed. </a:t>
-            </a:r>
-          </a:p>
-          <a:p>
-            <a:r>
-              <a:rPr lang="en-CH" dirty="0"/>
-              <a:t>Select a dataset that says </a:t>
-            </a:r>
-            <a:r>
-              <a:rPr lang="en-CH" sz="2475" b="1" dirty="0"/>
-              <a:t>Metatranscriptomics_VaginalMicrobiome_response</a:t>
-            </a:r>
-            <a:r>
-              <a:rPr lang="en-CH" dirty="0"/>
-              <a:t>– </a:t>
-            </a:r>
-            <a:r>
-              <a:rPr lang="en-CH" sz="2475" b="1" dirty="0"/>
-              <a:t>click on it to enter.</a:t>
-            </a:r>
-          </a:p>
-        </p:txBody>
-      </p:sp>
-      <p:pic>
-        <p:nvPicPr>
-          <p:cNvPr id="4" name="Picture 3" descr="Table&#10;&#10;Description automatically generated">
-            <a:extLst>
-              <a:ext uri="{FF2B5EF4-FFF2-40B4-BE49-F238E27FC236}">
-                <a16:creationId xmlns:a16="http://schemas.microsoft.com/office/drawing/2014/main" id="{0E4249DE-565F-3AC0-E362-BAB9665BE01F}"/>
+                <a16:creationId xmlns:a16="http://schemas.microsoft.com/office/drawing/2014/main" id="{3E4635BF-4166-E4D2-9740-686EF4FD0343}"/>
               </a:ext>
             </a:extLst>
           </p:cNvPr>
           <p:cNvPicPr>
-            <a:picLocks noChangeAspect="1"/>
+            <a:picLocks noGrp="1" noChangeAspect="1"/>
           </p:cNvPicPr>
-          <p:nvPr/>
+          <p:nvPr>
+            <p:ph sz="half" idx="2"/>
+          </p:nvPr>
         </p:nvPicPr>
         <p:blipFill>
-          <a:blip r:embed="rId2"/>
+          <a:blip r:embed="rId2">
+            <a:extLst>
+              <a:ext uri="{28A0092B-C50C-407E-A947-70E740481C1C}">
+                <a14:useLocalDpi xmlns:a14="http://schemas.microsoft.com/office/drawing/2010/main" val="0"/>
+              </a:ext>
+            </a:extLst>
+          </a:blip>
           <a:stretch>
             <a:fillRect/>
           </a:stretch>
         </p:blipFill>
         <p:spPr>
           <a:xfrm>
-            <a:off x="1657350" y="2362205"/>
-            <a:ext cx="5829300" cy="2700605"/>
+            <a:off x="1115616" y="5157430"/>
+            <a:ext cx="6264696" cy="1201562"/>
+          </a:xfrm>
+        </p:spPr>
+      </p:pic>
+      <p:sp>
+        <p:nvSpPr>
+          <p:cNvPr id="4" name="Title 3">
+            <a:extLst>
+              <a:ext uri="{FF2B5EF4-FFF2-40B4-BE49-F238E27FC236}">
+                <a16:creationId xmlns:a16="http://schemas.microsoft.com/office/drawing/2014/main" id="{604A25E6-F449-5D23-3809-6860C4D209EE}"/>
+              </a:ext>
+            </a:extLst>
+          </p:cNvPr>
+          <p:cNvSpPr>
+            <a:spLocks noGrp="1"/>
+          </p:cNvSpPr>
+          <p:nvPr>
+            <p:ph type="title"/>
+          </p:nvPr>
+        </p:nvSpPr>
+        <p:spPr>
+          <a:xfrm>
+            <a:off x="628650" y="649836"/>
+            <a:ext cx="7886700" cy="1325563"/>
+          </a:xfrm>
+        </p:spPr>
+        <p:txBody>
+          <a:bodyPr/>
+          <a:lstStyle/>
+          <a:p>
+            <a:r>
+              <a:rPr lang="en-CH" dirty="0"/>
+              <a:t>Tutorial – Bacterial Vaginosis</a:t>
+            </a:r>
+          </a:p>
+        </p:txBody>
+      </p:sp>
+      <p:sp>
+        <p:nvSpPr>
+          <p:cNvPr id="5" name="TextBox 4">
+            <a:extLst>
+              <a:ext uri="{FF2B5EF4-FFF2-40B4-BE49-F238E27FC236}">
+                <a16:creationId xmlns:a16="http://schemas.microsoft.com/office/drawing/2014/main" id="{AC0AADA7-193C-2FDE-F9C2-10AE0BBC51B6}"/>
+              </a:ext>
+            </a:extLst>
+          </p:cNvPr>
+          <p:cNvSpPr txBox="1"/>
+          <p:nvPr/>
+        </p:nvSpPr>
+        <p:spPr>
+          <a:xfrm>
+            <a:off x="4422135" y="6370374"/>
+            <a:ext cx="4572000" cy="276999"/>
           </a:xfrm>
           <a:prstGeom prst="rect">
             <a:avLst/>
           </a:prstGeom>
+          <a:noFill/>
         </p:spPr>
-      </p:pic>
+        <p:txBody>
+          <a:bodyPr wrap="square">
+            <a:spAutoFit/>
+          </a:bodyPr>
+          <a:lstStyle/>
+          <a:p>
+            <a:r>
+              <a:rPr lang="en-CH" sz="1200" dirty="0"/>
+              <a:t>https://journals.asm.org/doi/full/10.1128/mSphereDirect.00262-18</a:t>
+            </a:r>
+          </a:p>
+        </p:txBody>
+      </p:sp>
     </p:spTree>
     <p:extLst>
       <p:ext uri="{BB962C8B-B14F-4D97-AF65-F5344CB8AC3E}">
-        <p14:creationId xmlns:p14="http://schemas.microsoft.com/office/powerpoint/2010/main" val="3728627696"/>
+        <p14:creationId xmlns:p14="http://schemas.microsoft.com/office/powerpoint/2010/main" val="4054103953"/>
       </p:ext>
     </p:extLst>
   </p:cSld>
@@ -3298,280 +3425,6 @@
       </p:grpSpPr>
       <p:sp>
         <p:nvSpPr>
-          <p:cNvPr id="2" name="Content Placeholder 1">
-            <a:extLst>
-              <a:ext uri="{FF2B5EF4-FFF2-40B4-BE49-F238E27FC236}">
-                <a16:creationId xmlns:a16="http://schemas.microsoft.com/office/drawing/2014/main" id="{00BAE4E7-F28B-641C-73C2-67930679723F}"/>
-              </a:ext>
-            </a:extLst>
-          </p:cNvPr>
-          <p:cNvSpPr>
-            <a:spLocks noGrp="1"/>
-          </p:cNvSpPr>
-          <p:nvPr>
-            <p:ph sz="half" idx="1"/>
-          </p:nvPr>
-        </p:nvSpPr>
-        <p:spPr>
-          <a:xfrm>
-            <a:off x="534380" y="1676904"/>
-            <a:ext cx="8075240" cy="4896967"/>
-          </a:xfrm>
-        </p:spPr>
-        <p:txBody>
-          <a:bodyPr/>
-          <a:lstStyle/>
-          <a:p>
-            <a:r>
-              <a:rPr lang="en-GB" b="0" i="0" dirty="0">
-                <a:solidFill>
-                  <a:srgbClr val="333333"/>
-                </a:solidFill>
-                <a:effectLst/>
-                <a:cs typeface="Calibri" panose="020F0502020204030204" pitchFamily="34" charset="0"/>
-              </a:rPr>
-              <a:t>multifactorial disease characterized by a shift from the </a:t>
-            </a:r>
-            <a:r>
-              <a:rPr lang="en-GB" b="0" i="1" dirty="0">
-                <a:solidFill>
-                  <a:srgbClr val="333333"/>
-                </a:solidFill>
-                <a:effectLst/>
-                <a:cs typeface="Calibri" panose="020F0502020204030204" pitchFamily="34" charset="0"/>
-              </a:rPr>
-              <a:t>Lactobacillus</a:t>
-            </a:r>
-            <a:r>
-              <a:rPr lang="en-GB" b="0" i="0" dirty="0">
-                <a:solidFill>
-                  <a:srgbClr val="333333"/>
-                </a:solidFill>
-                <a:effectLst/>
-                <a:cs typeface="Calibri" panose="020F0502020204030204" pitchFamily="34" charset="0"/>
-              </a:rPr>
-              <a:t> species-dominated microbial community toward a taxonomically diverse anaerobic community</a:t>
-            </a:r>
-          </a:p>
-          <a:p>
-            <a:r>
-              <a:rPr lang="en-GB" dirty="0">
-                <a:solidFill>
-                  <a:srgbClr val="333333"/>
-                </a:solidFill>
-                <a:cs typeface="Calibri" panose="020F0502020204030204" pitchFamily="34" charset="0"/>
-              </a:rPr>
-              <a:t>8 women diagnosed with BV</a:t>
-            </a:r>
-          </a:p>
-          <a:p>
-            <a:r>
-              <a:rPr lang="en-GB" dirty="0">
-                <a:solidFill>
-                  <a:srgbClr val="333333"/>
-                </a:solidFill>
-                <a:cs typeface="Calibri" panose="020F0502020204030204" pitchFamily="34" charset="0"/>
-              </a:rPr>
-              <a:t>4 successfully treated, 4 not</a:t>
-            </a:r>
-          </a:p>
-          <a:p>
-            <a:r>
-              <a:rPr lang="en-GB" b="0" i="0" dirty="0">
-                <a:solidFill>
-                  <a:srgbClr val="333333"/>
-                </a:solidFill>
-                <a:effectLst/>
-                <a:cs typeface="Calibri" panose="020F0502020204030204" pitchFamily="34" charset="0"/>
-              </a:rPr>
-              <a:t>Paired-end </a:t>
-            </a:r>
-            <a:r>
-              <a:rPr lang="en-GB" b="0" i="0" dirty="0" err="1">
-                <a:solidFill>
-                  <a:srgbClr val="333333"/>
-                </a:solidFill>
-                <a:effectLst/>
-                <a:cs typeface="Calibri" panose="020F0502020204030204" pitchFamily="34" charset="0"/>
-              </a:rPr>
-              <a:t>seq</a:t>
-            </a:r>
-            <a:r>
-              <a:rPr lang="en-GB" b="0" i="0" dirty="0">
-                <a:solidFill>
-                  <a:srgbClr val="333333"/>
-                </a:solidFill>
-                <a:effectLst/>
-                <a:cs typeface="Calibri" panose="020F0502020204030204" pitchFamily="34" charset="0"/>
-              </a:rPr>
-              <a:t> performed on a </a:t>
-            </a:r>
-            <a:r>
-              <a:rPr lang="en-GB" b="0" i="0" dirty="0" err="1">
-                <a:solidFill>
-                  <a:srgbClr val="333333"/>
-                </a:solidFill>
-                <a:effectLst/>
-                <a:cs typeface="Calibri" panose="020F0502020204030204" pitchFamily="34" charset="0"/>
-              </a:rPr>
-              <a:t>HiSeq</a:t>
-            </a:r>
-            <a:r>
-              <a:rPr lang="en-GB" b="0" i="0" dirty="0">
-                <a:solidFill>
-                  <a:srgbClr val="333333"/>
-                </a:solidFill>
-                <a:effectLst/>
-                <a:cs typeface="Calibri" panose="020F0502020204030204" pitchFamily="34" charset="0"/>
-              </a:rPr>
-              <a:t> 2500 Sequencer to yield 2 × 110-bp</a:t>
-            </a:r>
-          </a:p>
-          <a:p>
-            <a:endParaRPr lang="en-GB" dirty="0">
-              <a:solidFill>
-                <a:srgbClr val="333333"/>
-              </a:solidFill>
-              <a:latin typeface="Source Serif Pro" panose="020F0502020204030204" pitchFamily="34" charset="0"/>
-            </a:endParaRPr>
-          </a:p>
-        </p:txBody>
-      </p:sp>
-      <p:pic>
-        <p:nvPicPr>
-          <p:cNvPr id="6" name="Content Placeholder 5" descr="Diagram, timeline&#10;&#10;Description automatically generated">
-            <a:extLst>
-              <a:ext uri="{FF2B5EF4-FFF2-40B4-BE49-F238E27FC236}">
-                <a16:creationId xmlns:a16="http://schemas.microsoft.com/office/drawing/2014/main" id="{3E4635BF-4166-E4D2-9740-686EF4FD0343}"/>
-              </a:ext>
-            </a:extLst>
-          </p:cNvPr>
-          <p:cNvPicPr>
-            <a:picLocks noGrp="1" noChangeAspect="1"/>
-          </p:cNvPicPr>
-          <p:nvPr>
-            <p:ph sz="half" idx="2"/>
-          </p:nvPr>
-        </p:nvPicPr>
-        <p:blipFill>
-          <a:blip r:embed="rId2">
-            <a:extLst>
-              <a:ext uri="{28A0092B-C50C-407E-A947-70E740481C1C}">
-                <a14:useLocalDpi xmlns:a14="http://schemas.microsoft.com/office/drawing/2010/main" val="0"/>
-              </a:ext>
-            </a:extLst>
-          </a:blip>
-          <a:stretch>
-            <a:fillRect/>
-          </a:stretch>
-        </p:blipFill>
-        <p:spPr>
-          <a:xfrm>
-            <a:off x="1115616" y="5157430"/>
-            <a:ext cx="6264696" cy="1201562"/>
-          </a:xfrm>
-        </p:spPr>
-      </p:pic>
-      <p:sp>
-        <p:nvSpPr>
-          <p:cNvPr id="4" name="Title 3">
-            <a:extLst>
-              <a:ext uri="{FF2B5EF4-FFF2-40B4-BE49-F238E27FC236}">
-                <a16:creationId xmlns:a16="http://schemas.microsoft.com/office/drawing/2014/main" id="{604A25E6-F449-5D23-3809-6860C4D209EE}"/>
-              </a:ext>
-            </a:extLst>
-          </p:cNvPr>
-          <p:cNvSpPr>
-            <a:spLocks noGrp="1"/>
-          </p:cNvSpPr>
-          <p:nvPr>
-            <p:ph type="title"/>
-          </p:nvPr>
-        </p:nvSpPr>
-        <p:spPr>
-          <a:xfrm>
-            <a:off x="628650" y="649836"/>
-            <a:ext cx="7886700" cy="1325563"/>
-          </a:xfrm>
-        </p:spPr>
-        <p:txBody>
-          <a:bodyPr/>
-          <a:lstStyle/>
-          <a:p>
-            <a:r>
-              <a:rPr lang="en-CH" dirty="0"/>
-              <a:t>Tutorial – Bacterial Vaginosis</a:t>
-            </a:r>
-          </a:p>
-        </p:txBody>
-      </p:sp>
-      <p:sp>
-        <p:nvSpPr>
-          <p:cNvPr id="5" name="TextBox 4">
-            <a:extLst>
-              <a:ext uri="{FF2B5EF4-FFF2-40B4-BE49-F238E27FC236}">
-                <a16:creationId xmlns:a16="http://schemas.microsoft.com/office/drawing/2014/main" id="{AC0AADA7-193C-2FDE-F9C2-10AE0BBC51B6}"/>
-              </a:ext>
-            </a:extLst>
-          </p:cNvPr>
-          <p:cNvSpPr txBox="1"/>
-          <p:nvPr/>
-        </p:nvSpPr>
-        <p:spPr>
-          <a:xfrm>
-            <a:off x="4422135" y="6370374"/>
-            <a:ext cx="4572000" cy="276999"/>
-          </a:xfrm>
-          <a:prstGeom prst="rect">
-            <a:avLst/>
-          </a:prstGeom>
-          <a:noFill/>
-        </p:spPr>
-        <p:txBody>
-          <a:bodyPr wrap="square">
-            <a:spAutoFit/>
-          </a:bodyPr>
-          <a:lstStyle/>
-          <a:p>
-            <a:r>
-              <a:rPr lang="en-CH" sz="1200" dirty="0"/>
-              <a:t>https://journals.asm.org/doi/full/10.1128/mSphereDirect.00262-18</a:t>
-            </a:r>
-          </a:p>
-        </p:txBody>
-      </p:sp>
-    </p:spTree>
-    <p:extLst>
-      <p:ext uri="{BB962C8B-B14F-4D97-AF65-F5344CB8AC3E}">
-        <p14:creationId xmlns:p14="http://schemas.microsoft.com/office/powerpoint/2010/main" val="4054103953"/>
-      </p:ext>
-    </p:extLst>
-  </p:cSld>
-  <p:clrMapOvr>
-    <a:masterClrMapping/>
-  </p:clrMapOvr>
-</p:sld>
-</file>
-
-<file path=ppt/slides/slide4.xml><?xml version="1.0" encoding="utf-8"?>
-<p:sld xmlns:a="http://schemas.openxmlformats.org/drawingml/2006/main" xmlns:r="http://schemas.openxmlformats.org/officeDocument/2006/relationships" xmlns:p="http://schemas.openxmlformats.org/presentationml/2006/main">
-  <p:cSld>
-    <p:spTree>
-      <p:nvGrpSpPr>
-        <p:cNvPr id="1" name=""/>
-        <p:cNvGrpSpPr/>
-        <p:nvPr/>
-      </p:nvGrpSpPr>
-      <p:grpSpPr>
-        <a:xfrm>
-          <a:off x="0" y="0"/>
-          <a:ext cx="0" cy="0"/>
-          <a:chOff x="0" y="0"/>
-          <a:chExt cx="0" cy="0"/>
-        </a:xfrm>
-      </p:grpSpPr>
-      <p:sp>
-        <p:nvSpPr>
           <p:cNvPr id="2" name="Title 1">
             <a:extLst>
               <a:ext uri="{FF2B5EF4-FFF2-40B4-BE49-F238E27FC236}">
@@ -3631,14 +3484,32 @@
           <a:p>
             <a:r>
               <a:rPr lang="en-CH" dirty="0"/>
-              <a:t>Samsa2_metatranscriptomics_VaginalMicrobiome_noresponse</a:t>
+              <a:t>Metatranscriptomics_VaginalMicrobiome_noresponse</a:t>
             </a:r>
           </a:p>
           <a:p>
             <a:r>
               <a:rPr lang="en-CH" dirty="0"/>
-              <a:t>Samsa2_metatranscriptomics_VaginalMicrobiome_response</a:t>
-            </a:r>
+              <a:t>Metatranscriptomics_VaginalMicrobiome_response</a:t>
+            </a:r>
+          </a:p>
+          <a:p>
+            <a:endParaRPr lang="en-CH" dirty="0"/>
+          </a:p>
+          <a:p>
+            <a:pPr marL="0" indent="0">
+              <a:buNone/>
+            </a:pPr>
+            <a:r>
+              <a:rPr lang="en-CH" dirty="0"/>
+              <a:t>The datasets are outputs from running samsa2. You will need to run postsamsa2 analysis on it to produce reports. Please see details on the following page</a:t>
+            </a:r>
+          </a:p>
+          <a:p>
+            <a:endParaRPr lang="en-CH" dirty="0"/>
+          </a:p>
+          <a:p>
+            <a:endParaRPr lang="en-CH" dirty="0"/>
           </a:p>
           <a:p>
             <a:pPr marL="0" indent="0">
@@ -3661,7 +3532,7 @@
 </p:sld>
 </file>
 
-<file path=ppt/slides/slide5.xml><?xml version="1.0" encoding="utf-8"?>
+<file path=ppt/slides/slide4.xml><?xml version="1.0" encoding="utf-8"?>
 <p:sld xmlns:a="http://schemas.openxmlformats.org/drawingml/2006/main" xmlns:r="http://schemas.openxmlformats.org/officeDocument/2006/relationships" xmlns:p="http://schemas.openxmlformats.org/presentationml/2006/main">
   <p:cSld>
     <p:spTree>
@@ -4592,7 +4463,7 @@
 </p:sld>
 </file>
 
-<file path=ppt/slides/slide6.xml><?xml version="1.0" encoding="utf-8"?>
+<file path=ppt/slides/slide5.xml><?xml version="1.0" encoding="utf-8"?>
 <p:sld xmlns:a="http://schemas.openxmlformats.org/drawingml/2006/main" xmlns:r="http://schemas.openxmlformats.org/officeDocument/2006/relationships" xmlns:p="http://schemas.openxmlformats.org/presentationml/2006/main">
   <p:cSld>
     <p:spTree>

--- a/instructions/Samsa2.pptx
+++ b/instructions/Samsa2.pptx
@@ -247,7 +247,7 @@
           <a:p>
             <a:fld id="{E0DA7CAC-0F81-DB40-A41A-39C11BC909FB}" type="datetimeFigureOut">
               <a:rPr lang="en-CH" smtClean="0"/>
-              <a:t>25.03.23</a:t>
+              <a:t>17.06.2024</a:t>
             </a:fld>
             <a:endParaRPr lang="en-CH"/>
           </a:p>
@@ -445,7 +445,7 @@
           <a:p>
             <a:fld id="{E0DA7CAC-0F81-DB40-A41A-39C11BC909FB}" type="datetimeFigureOut">
               <a:rPr lang="en-CH" smtClean="0"/>
-              <a:t>25.03.23</a:t>
+              <a:t>17.06.2024</a:t>
             </a:fld>
             <a:endParaRPr lang="en-CH"/>
           </a:p>
@@ -625,7 +625,7 @@
           <a:p>
             <a:fld id="{E0DA7CAC-0F81-DB40-A41A-39C11BC909FB}" type="datetimeFigureOut">
               <a:rPr lang="en-CH" smtClean="0"/>
-              <a:t>25.03.23</a:t>
+              <a:t>17.06.2024</a:t>
             </a:fld>
             <a:endParaRPr lang="en-CH"/>
           </a:p>
@@ -795,7 +795,7 @@
           <a:p>
             <a:fld id="{E0DA7CAC-0F81-DB40-A41A-39C11BC909FB}" type="datetimeFigureOut">
               <a:rPr lang="en-CH" smtClean="0"/>
-              <a:t>25.03.23</a:t>
+              <a:t>17.06.2024</a:t>
             </a:fld>
             <a:endParaRPr lang="en-CH"/>
           </a:p>
@@ -1067,7 +1067,7 @@
           <a:p>
             <a:fld id="{E0DA7CAC-0F81-DB40-A41A-39C11BC909FB}" type="datetimeFigureOut">
               <a:rPr lang="en-CH" smtClean="0"/>
-              <a:t>25.03.23</a:t>
+              <a:t>17.06.2024</a:t>
             </a:fld>
             <a:endParaRPr lang="en-CH"/>
           </a:p>
@@ -1299,7 +1299,7 @@
           <a:p>
             <a:fld id="{E0DA7CAC-0F81-DB40-A41A-39C11BC909FB}" type="datetimeFigureOut">
               <a:rPr lang="en-CH" smtClean="0"/>
-              <a:t>25.03.23</a:t>
+              <a:t>17.06.2024</a:t>
             </a:fld>
             <a:endParaRPr lang="en-CH"/>
           </a:p>
@@ -1666,7 +1666,7 @@
           <a:p>
             <a:fld id="{E0DA7CAC-0F81-DB40-A41A-39C11BC909FB}" type="datetimeFigureOut">
               <a:rPr lang="en-CH" smtClean="0"/>
-              <a:t>25.03.23</a:t>
+              <a:t>17.06.2024</a:t>
             </a:fld>
             <a:endParaRPr lang="en-CH"/>
           </a:p>
@@ -1784,7 +1784,7 @@
           <a:p>
             <a:fld id="{E0DA7CAC-0F81-DB40-A41A-39C11BC909FB}" type="datetimeFigureOut">
               <a:rPr lang="en-CH" smtClean="0"/>
-              <a:t>25.03.23</a:t>
+              <a:t>17.06.2024</a:t>
             </a:fld>
             <a:endParaRPr lang="en-CH"/>
           </a:p>
@@ -1879,7 +1879,7 @@
           <a:p>
             <a:fld id="{E0DA7CAC-0F81-DB40-A41A-39C11BC909FB}" type="datetimeFigureOut">
               <a:rPr lang="en-CH" smtClean="0"/>
-              <a:t>25.03.23</a:t>
+              <a:t>17.06.2024</a:t>
             </a:fld>
             <a:endParaRPr lang="en-CH"/>
           </a:p>
@@ -2156,7 +2156,7 @@
           <a:p>
             <a:fld id="{E0DA7CAC-0F81-DB40-A41A-39C11BC909FB}" type="datetimeFigureOut">
               <a:rPr lang="en-CH" smtClean="0"/>
-              <a:t>25.03.23</a:t>
+              <a:t>17.06.2024</a:t>
             </a:fld>
             <a:endParaRPr lang="en-CH"/>
           </a:p>
@@ -2413,7 +2413,7 @@
           <a:p>
             <a:fld id="{E0DA7CAC-0F81-DB40-A41A-39C11BC909FB}" type="datetimeFigureOut">
               <a:rPr lang="en-CH" smtClean="0"/>
-              <a:t>25.03.23</a:t>
+              <a:t>17.06.2024</a:t>
             </a:fld>
             <a:endParaRPr lang="en-CH"/>
           </a:p>
@@ -2626,7 +2626,7 @@
           <a:p>
             <a:fld id="{E0DA7CAC-0F81-DB40-A41A-39C11BC909FB}" type="datetimeFigureOut">
               <a:rPr lang="en-CH" smtClean="0"/>
-              <a:t>25.03.23</a:t>
+              <a:t>17.06.2024</a:t>
             </a:fld>
             <a:endParaRPr lang="en-CH"/>
           </a:p>
@@ -4557,7 +4557,7 @@
         <p:spPr>
           <a:xfrm>
             <a:off x="5464630" y="2729593"/>
-            <a:ext cx="3517758" cy="1131079"/>
+            <a:ext cx="3517758" cy="1754326"/>
           </a:xfrm>
           <a:prstGeom prst="rect">
             <a:avLst/>
@@ -4595,6 +4595,18 @@
             <a:r>
               <a:rPr lang="en-CH" sz="1350" dirty="0"/>
               <a:t>referenceGroup -&gt; before</a:t>
+            </a:r>
+          </a:p>
+          <a:p>
+            <a:endParaRPr lang="en-CH" sz="1350" dirty="0"/>
+          </a:p>
+          <a:p>
+            <a:endParaRPr lang="en-CH" sz="1350" dirty="0"/>
+          </a:p>
+          <a:p>
+            <a:r>
+              <a:rPr lang="en-CH" sz="1350" dirty="0"/>
+              <a:t>SUBMIT!</a:t>
             </a:r>
           </a:p>
           <a:p>
